--- a/report/report 李淳雨20170227.pptx
+++ b/report/report 李淳雨20170227.pptx
@@ -230,7 +230,7 @@
           <a:p>
             <a:fld id="{A7047017-3F4D-4800-9B33-5B2A9DB7873C}" type="datetimeFigureOut">
               <a:rPr kumimoji="1" lang="ja-JP" altLang="en-US" smtClean="0"/>
-              <a:t>2017/2/27</a:t>
+              <a:t>2017/2/28</a:t>
             </a:fld>
             <a:endParaRPr kumimoji="1" lang="ja-JP" altLang="en-US"/>
           </a:p>
@@ -395,7 +395,7 @@
           <a:p>
             <a:fld id="{4EE61553-47AE-49F4-A30A-FEA3F4C5BB3B}" type="datetimeFigureOut">
               <a:rPr kumimoji="1" lang="ja-JP" altLang="en-US" smtClean="0"/>
-              <a:t>2017/2/27</a:t>
+              <a:t>2017/2/28</a:t>
             </a:fld>
             <a:endParaRPr kumimoji="1" lang="ja-JP" altLang="en-US"/>
           </a:p>
@@ -1245,7 +1245,7 @@
           <a:p>
             <a:fld id="{A8E4C931-648D-4F19-A7E9-4215BE8EB453}" type="datetime1">
               <a:rPr kumimoji="1" lang="ja-JP" altLang="en-US" smtClean="0"/>
-              <a:t>2017/2/27</a:t>
+              <a:t>2017/2/28</a:t>
             </a:fld>
             <a:endParaRPr kumimoji="1" lang="ja-JP" altLang="en-US"/>
           </a:p>
@@ -1447,7 +1447,7 @@
           <a:p>
             <a:fld id="{66996EC0-4E43-4FF5-933C-8728087BB85F}" type="datetime1">
               <a:rPr kumimoji="1" lang="ja-JP" altLang="en-US" smtClean="0"/>
-              <a:t>2017/2/27</a:t>
+              <a:t>2017/2/28</a:t>
             </a:fld>
             <a:endParaRPr kumimoji="1" lang="ja-JP" altLang="en-US"/>
           </a:p>
@@ -1659,7 +1659,7 @@
           <a:p>
             <a:fld id="{C2F28B55-76C5-4689-9D3B-072D0666FEF8}" type="datetime1">
               <a:rPr kumimoji="1" lang="ja-JP" altLang="en-US" smtClean="0"/>
-              <a:t>2017/2/27</a:t>
+              <a:t>2017/2/28</a:t>
             </a:fld>
             <a:endParaRPr kumimoji="1" lang="ja-JP" altLang="en-US"/>
           </a:p>
@@ -1861,7 +1861,7 @@
           <a:p>
             <a:fld id="{590AF857-1170-4F41-B12E-ABF113777648}" type="datetime1">
               <a:rPr kumimoji="1" lang="ja-JP" altLang="en-US" smtClean="0"/>
-              <a:t>2017/2/27</a:t>
+              <a:t>2017/2/28</a:t>
             </a:fld>
             <a:endParaRPr kumimoji="1" lang="ja-JP" altLang="en-US"/>
           </a:p>
@@ -2105,7 +2105,7 @@
           <a:p>
             <a:fld id="{00B44318-77C3-4220-BCFC-4622BF0AADB9}" type="datetime1">
               <a:rPr kumimoji="1" lang="ja-JP" altLang="en-US" smtClean="0"/>
-              <a:t>2017/2/27</a:t>
+              <a:t>2017/2/28</a:t>
             </a:fld>
             <a:endParaRPr kumimoji="1" lang="ja-JP" altLang="en-US"/>
           </a:p>
@@ -2401,7 +2401,7 @@
           <a:p>
             <a:fld id="{6E811334-7932-403E-9818-0031037B27BC}" type="datetime1">
               <a:rPr kumimoji="1" lang="ja-JP" altLang="en-US" smtClean="0"/>
-              <a:t>2017/2/27</a:t>
+              <a:t>2017/2/28</a:t>
             </a:fld>
             <a:endParaRPr kumimoji="1" lang="ja-JP" altLang="en-US"/>
           </a:p>
@@ -2832,7 +2832,7 @@
           <a:p>
             <a:fld id="{8F846AA7-D6AC-483B-B59F-B92B33580718}" type="datetime1">
               <a:rPr kumimoji="1" lang="ja-JP" altLang="en-US" smtClean="0"/>
-              <a:t>2017/2/27</a:t>
+              <a:t>2017/2/28</a:t>
             </a:fld>
             <a:endParaRPr kumimoji="1" lang="ja-JP" altLang="en-US"/>
           </a:p>
@@ -2950,7 +2950,7 @@
           <a:p>
             <a:fld id="{4C92AB63-8332-4105-A8E8-92D9FFE45080}" type="datetime1">
               <a:rPr kumimoji="1" lang="ja-JP" altLang="en-US" smtClean="0"/>
-              <a:t>2017/2/27</a:t>
+              <a:t>2017/2/28</a:t>
             </a:fld>
             <a:endParaRPr kumimoji="1" lang="ja-JP" altLang="en-US"/>
           </a:p>
@@ -3045,7 +3045,7 @@
           <a:p>
             <a:fld id="{C497F610-1513-4196-8905-051CB72780E2}" type="datetime1">
               <a:rPr kumimoji="1" lang="ja-JP" altLang="en-US" smtClean="0"/>
-              <a:t>2017/2/27</a:t>
+              <a:t>2017/2/28</a:t>
             </a:fld>
             <a:endParaRPr kumimoji="1" lang="ja-JP" altLang="en-US"/>
           </a:p>
@@ -3354,7 +3354,7 @@
           <a:p>
             <a:fld id="{784F99A3-628B-475C-AC88-0DCEBFCBE43E}" type="datetime1">
               <a:rPr kumimoji="1" lang="ja-JP" altLang="en-US" smtClean="0"/>
-              <a:t>2017/2/27</a:t>
+              <a:t>2017/2/28</a:t>
             </a:fld>
             <a:endParaRPr kumimoji="1" lang="ja-JP" altLang="en-US"/>
           </a:p>
@@ -3611,7 +3611,7 @@
           <a:p>
             <a:fld id="{993E26B5-C4B8-4F0A-BA8D-9718B829FC64}" type="datetime1">
               <a:rPr kumimoji="1" lang="ja-JP" altLang="en-US" smtClean="0"/>
-              <a:t>2017/2/27</a:t>
+              <a:t>2017/2/28</a:t>
             </a:fld>
             <a:endParaRPr kumimoji="1" lang="ja-JP" altLang="en-US"/>
           </a:p>
@@ -3856,7 +3856,7 @@
           <a:p>
             <a:fld id="{3AC474DA-14F1-4050-95A4-F0689030D4A9}" type="datetime1">
               <a:rPr kumimoji="1" lang="ja-JP" altLang="en-US" smtClean="0"/>
-              <a:t>2017/2/27</a:t>
+              <a:t>2017/2/28</a:t>
             </a:fld>
             <a:endParaRPr kumimoji="1" lang="ja-JP" altLang="en-US"/>
           </a:p>
@@ -7572,7 +7572,19 @@
             </a:r>
             <a:r>
               <a:rPr lang="ja-JP" altLang="en-US" sz="1800" dirty="0"/>
-              <a:t>と平面の距離を図って、この距離を誤差として、</a:t>
+              <a:t>と平面の</a:t>
+            </a:r>
+            <a:r>
+              <a:rPr lang="ja-JP" altLang="en-US" sz="1800"/>
+              <a:t>距離</a:t>
+            </a:r>
+            <a:r>
+              <a:rPr lang="ja-JP" altLang="en-US" sz="1800" smtClean="0"/>
+              <a:t>を測って</a:t>
+            </a:r>
+            <a:r>
+              <a:rPr lang="ja-JP" altLang="en-US" sz="1800" dirty="0"/>
+              <a:t>、この距離を誤差として、</a:t>
             </a:r>
             <a:r>
               <a:rPr lang="en-US" altLang="ja-JP" sz="1800" dirty="0" smtClean="0"/>
